--- a/nistet/rings.pptx
+++ b/nistet/rings.pptx
@@ -3335,7 +3335,7 @@
         </p:nvGrpSpPr>
         <p:grpSpPr>
           <a:xfrm>
-            <a:off x="1557867" y="1159933"/>
+            <a:off x="1557867" y="1708573"/>
             <a:ext cx="4538133" cy="4538133"/>
             <a:chOff x="3826934" y="1600200"/>
             <a:chExt cx="4538133" cy="4538133"/>
@@ -3422,6 +3422,15 @@
             </a:custGeom>
             <a:noFill/>
             <a:ln>
+              <a:solidFill>
+                <a:schemeClr val="accent1">
+                  <a:shade val="80000"/>
+                  <a:hueOff val="0"/>
+                  <a:satOff val="0"/>
+                  <a:lumOff val="0"/>
+                  <a:alpha val="51000"/>
+                </a:schemeClr>
+              </a:solidFill>
               <a:prstDash val="lgDash"/>
             </a:ln>
           </p:spPr>
@@ -3558,6 +3567,15 @@
             </a:custGeom>
             <a:noFill/>
             <a:ln>
+              <a:solidFill>
+                <a:schemeClr val="accent1">
+                  <a:shade val="80000"/>
+                  <a:hueOff val="0"/>
+                  <a:satOff val="0"/>
+                  <a:lumOff val="0"/>
+                  <a:alpha val="51000"/>
+                </a:schemeClr>
+              </a:solidFill>
               <a:prstDash val="lgDash"/>
             </a:ln>
           </p:spPr>
@@ -3694,6 +3712,15 @@
             </a:custGeom>
             <a:noFill/>
             <a:ln>
+              <a:solidFill>
+                <a:schemeClr val="accent1">
+                  <a:shade val="80000"/>
+                  <a:hueOff val="0"/>
+                  <a:satOff val="0"/>
+                  <a:lumOff val="0"/>
+                  <a:alpha val="51000"/>
+                </a:schemeClr>
+              </a:solidFill>
               <a:prstDash val="lgDash"/>
             </a:ln>
           </p:spPr>
@@ -3830,6 +3857,15 @@
             </a:custGeom>
             <a:noFill/>
             <a:ln>
+              <a:solidFill>
+                <a:schemeClr val="accent1">
+                  <a:shade val="80000"/>
+                  <a:hueOff val="0"/>
+                  <a:satOff val="0"/>
+                  <a:lumOff val="0"/>
+                  <a:alpha val="51000"/>
+                </a:schemeClr>
+              </a:solidFill>
               <a:prstDash val="lgDash"/>
             </a:ln>
           </p:spPr>
@@ -3966,6 +4002,15 @@
             </a:custGeom>
             <a:noFill/>
             <a:ln>
+              <a:solidFill>
+                <a:schemeClr val="accent1">
+                  <a:shade val="80000"/>
+                  <a:hueOff val="0"/>
+                  <a:satOff val="0"/>
+                  <a:lumOff val="0"/>
+                  <a:alpha val="51000"/>
+                </a:schemeClr>
+              </a:solidFill>
               <a:prstDash val="lgDash"/>
             </a:ln>
           </p:spPr>
@@ -4102,6 +4147,15 @@
             </a:custGeom>
             <a:noFill/>
             <a:ln>
+              <a:solidFill>
+                <a:schemeClr val="accent1">
+                  <a:shade val="80000"/>
+                  <a:hueOff val="0"/>
+                  <a:satOff val="0"/>
+                  <a:lumOff val="0"/>
+                  <a:alpha val="51000"/>
+                </a:schemeClr>
+              </a:solidFill>
               <a:prstDash val="lgDash"/>
             </a:ln>
           </p:spPr>
@@ -4238,6 +4292,15 @@
             </a:custGeom>
             <a:noFill/>
             <a:ln>
+              <a:solidFill>
+                <a:schemeClr val="accent1">
+                  <a:shade val="80000"/>
+                  <a:hueOff val="0"/>
+                  <a:satOff val="0"/>
+                  <a:lumOff val="0"/>
+                  <a:alpha val="51000"/>
+                </a:schemeClr>
+              </a:solidFill>
               <a:prstDash val="lgDash"/>
             </a:ln>
           </p:spPr>
@@ -4308,7 +4371,7 @@
         </p:nvGrpSpPr>
         <p:grpSpPr>
           <a:xfrm>
-            <a:off x="4616952" y="-162561"/>
+            <a:off x="4616952" y="386079"/>
             <a:ext cx="4538133" cy="4538133"/>
             <a:chOff x="3826934" y="1600200"/>
             <a:chExt cx="4538133" cy="4538133"/>
@@ -4396,7 +4459,9 @@
             <a:noFill/>
             <a:ln>
               <a:solidFill>
-                <a:srgbClr val="00B050"/>
+                <a:srgbClr val="00B050">
+                  <a:alpha val="58000"/>
+                </a:srgbClr>
               </a:solidFill>
               <a:prstDash val="dash"/>
             </a:ln>
@@ -4535,7 +4600,9 @@
             <a:noFill/>
             <a:ln>
               <a:solidFill>
-                <a:srgbClr val="00B050"/>
+                <a:srgbClr val="00B050">
+                  <a:alpha val="58000"/>
+                </a:srgbClr>
               </a:solidFill>
               <a:prstDash val="dash"/>
             </a:ln>
@@ -4674,7 +4741,9 @@
             <a:noFill/>
             <a:ln>
               <a:solidFill>
-                <a:srgbClr val="00B050"/>
+                <a:srgbClr val="00B050">
+                  <a:alpha val="58000"/>
+                </a:srgbClr>
               </a:solidFill>
               <a:prstDash val="dash"/>
             </a:ln>
@@ -4813,7 +4882,9 @@
             <a:noFill/>
             <a:ln>
               <a:solidFill>
-                <a:srgbClr val="00B050"/>
+                <a:srgbClr val="00B050">
+                  <a:alpha val="58000"/>
+                </a:srgbClr>
               </a:solidFill>
               <a:prstDash val="dash"/>
             </a:ln>
@@ -4952,7 +5023,9 @@
             <a:noFill/>
             <a:ln>
               <a:solidFill>
-                <a:srgbClr val="00B050"/>
+                <a:srgbClr val="00B050">
+                  <a:alpha val="58000"/>
+                </a:srgbClr>
               </a:solidFill>
               <a:prstDash val="dash"/>
             </a:ln>
@@ -5091,7 +5164,9 @@
             <a:noFill/>
             <a:ln>
               <a:solidFill>
-                <a:srgbClr val="00B050"/>
+                <a:srgbClr val="00B050">
+                  <a:alpha val="58000"/>
+                </a:srgbClr>
               </a:solidFill>
               <a:prstDash val="dash"/>
             </a:ln>
@@ -5230,7 +5305,9 @@
             <a:noFill/>
             <a:ln>
               <a:solidFill>
-                <a:srgbClr val="00B050"/>
+                <a:srgbClr val="00B050">
+                  <a:alpha val="58000"/>
+                </a:srgbClr>
               </a:solidFill>
               <a:prstDash val="dash"/>
             </a:ln>
@@ -5302,7 +5379,7 @@
         </p:nvGrpSpPr>
         <p:grpSpPr>
           <a:xfrm>
-            <a:off x="5356476" y="3068320"/>
+            <a:off x="5356476" y="3616960"/>
             <a:ext cx="4538133" cy="4538133"/>
             <a:chOff x="3826934" y="1600200"/>
             <a:chExt cx="4538133" cy="4538133"/>
@@ -5390,7 +5467,9 @@
             <a:noFill/>
             <a:ln>
               <a:solidFill>
-                <a:srgbClr val="FF0000"/>
+                <a:srgbClr val="FF0000">
+                  <a:alpha val="50000"/>
+                </a:srgbClr>
               </a:solidFill>
               <a:prstDash val="lgDash"/>
             </a:ln>
@@ -5529,7 +5608,9 @@
             <a:noFill/>
             <a:ln>
               <a:solidFill>
-                <a:srgbClr val="FF0000"/>
+                <a:srgbClr val="FF0000">
+                  <a:alpha val="50000"/>
+                </a:srgbClr>
               </a:solidFill>
               <a:prstDash val="lgDash"/>
             </a:ln>
@@ -5668,7 +5749,9 @@
             <a:noFill/>
             <a:ln>
               <a:solidFill>
-                <a:srgbClr val="FF0000"/>
+                <a:srgbClr val="FF0000">
+                  <a:alpha val="50000"/>
+                </a:srgbClr>
               </a:solidFill>
               <a:prstDash val="lgDash"/>
             </a:ln>
@@ -5807,7 +5890,9 @@
             <a:noFill/>
             <a:ln>
               <a:solidFill>
-                <a:srgbClr val="FF0000"/>
+                <a:srgbClr val="FF0000">
+                  <a:alpha val="50000"/>
+                </a:srgbClr>
               </a:solidFill>
               <a:prstDash val="lgDash"/>
             </a:ln>
@@ -5946,7 +6031,9 @@
             <a:noFill/>
             <a:ln>
               <a:solidFill>
-                <a:srgbClr val="FF0000"/>
+                <a:srgbClr val="FF0000">
+                  <a:alpha val="50000"/>
+                </a:srgbClr>
               </a:solidFill>
               <a:prstDash val="lgDash"/>
             </a:ln>
@@ -6085,7 +6172,9 @@
             <a:noFill/>
             <a:ln>
               <a:solidFill>
-                <a:srgbClr val="FF0000"/>
+                <a:srgbClr val="FF0000">
+                  <a:alpha val="50000"/>
+                </a:srgbClr>
               </a:solidFill>
               <a:prstDash val="lgDash"/>
             </a:ln>
@@ -6224,7 +6313,9 @@
             <a:noFill/>
             <a:ln>
               <a:solidFill>
-                <a:srgbClr val="FF0000"/>
+                <a:srgbClr val="FF0000">
+                  <a:alpha val="50000"/>
+                </a:srgbClr>
               </a:solidFill>
               <a:prstDash val="lgDash"/>
             </a:ln>
@@ -6282,6 +6373,36 @@
           </p:txBody>
         </p:sp>
       </p:grpSp>
+      <p:pic>
+        <p:nvPicPr>
+          <p:cNvPr id="41" name="Picture 40">
+            <a:extLst>
+              <a:ext uri="{FF2B5EF4-FFF2-40B4-BE49-F238E27FC236}">
+                <a16:creationId xmlns:a16="http://schemas.microsoft.com/office/drawing/2014/main" id="{68D891AA-4EA3-C840-995E-EE0F854D17FF}"/>
+              </a:ext>
+            </a:extLst>
+          </p:cNvPr>
+          <p:cNvPicPr>
+            <a:picLocks noChangeAspect="1"/>
+          </p:cNvPicPr>
+          <p:nvPr/>
+        </p:nvPicPr>
+        <p:blipFill>
+          <a:blip r:embed="rId2"/>
+          <a:stretch>
+            <a:fillRect/>
+          </a:stretch>
+        </p:blipFill>
+        <p:spPr>
+          <a:xfrm>
+            <a:off x="3320435" y="6022213"/>
+            <a:ext cx="2044700" cy="539750"/>
+          </a:xfrm>
+          <a:prstGeom prst="rect">
+            <a:avLst/>
+          </a:prstGeom>
+        </p:spPr>
+      </p:pic>
     </p:spTree>
     <p:extLst>
       <p:ext uri="{BB962C8B-B14F-4D97-AF65-F5344CB8AC3E}">
